--- a/src/test/resources/form.pptx
+++ b/src/test/resources/form.pptx
@@ -3143,10 +3143,18 @@
                         <a:buNone/>
                       </a:pPr>
                       <a:r>
-                        <a:rPr lang="en-US" altLang="zh-CN"/>
+                        <a:rPr lang="en-US" altLang="zh-CN">
+                          <a:solidFill>
+                            <a:srgbClr val="FF0000"/>
+                          </a:solidFill>
+                        </a:rPr>
                         <a:t>#{name}</a:t>
                       </a:r>
-                      <a:endParaRPr lang="en-US" altLang="zh-CN"/>
+                      <a:endParaRPr lang="en-US" altLang="zh-CN">
+                        <a:solidFill>
+                          <a:srgbClr val="FF0000"/>
+                        </a:solidFill>
+                      </a:endParaRPr>
                     </a:p>
                   </a:txBody>
                   <a:tcPr/>
@@ -3237,10 +3245,10 @@
                         <a:buNone/>
                       </a:pPr>
                       <a:r>
-                        <a:rPr lang="en-US" altLang="zh-CN"/>
+                        <a:rPr lang="en-US" altLang="zh-CN" sz="1000"/>
                         <a:t>#{sex}</a:t>
                       </a:r>
-                      <a:endParaRPr lang="en-US" altLang="zh-CN"/>
+                      <a:endParaRPr lang="en-US" altLang="zh-CN" sz="1000"/>
                     </a:p>
                   </a:txBody>
                   <a:tcPr/>
@@ -3318,10 +3326,37 @@
                         <a:buNone/>
                       </a:pPr>
                       <a:r>
-                        <a:rPr lang="en-US" altLang="zh-CN"/>
-                        <a:t>#{height}</a:t>
+                        <a:rPr lang="en-US" altLang="zh-CN">
+                          <a:highlight>
+                            <a:srgbClr val="FFFF00"/>
+                          </a:highlight>
+                        </a:rPr>
+                        <a:t>#{he</a:t>
                       </a:r>
-                      <a:endParaRPr lang="en-US" altLang="zh-CN"/>
+                      <a:r>
+                        <a:rPr lang="en-US" altLang="zh-CN">
+                          <a:solidFill>
+                            <a:srgbClr val="FF0000"/>
+                          </a:solidFill>
+                          <a:highlight>
+                            <a:srgbClr val="FFFF00"/>
+                          </a:highlight>
+                        </a:rPr>
+                        <a:t>ig</a:t>
+                      </a:r>
+                      <a:r>
+                        <a:rPr lang="en-US" altLang="zh-CN">
+                          <a:highlight>
+                            <a:srgbClr val="FFFF00"/>
+                          </a:highlight>
+                        </a:rPr>
+                        <a:t>ht}</a:t>
+                      </a:r>
+                      <a:endParaRPr lang="en-US" altLang="zh-CN">
+                        <a:highlight>
+                          <a:srgbClr val="FFFF00"/>
+                        </a:highlight>
+                      </a:endParaRPr>
                     </a:p>
                   </a:txBody>
                   <a:tcPr/>
@@ -3564,14 +3599,18 @@
                         <a:buNone/>
                       </a:pPr>
                       <a:r>
-                        <a:rPr lang="en-US" altLang="zh-CN"/>
-                        <a:t>#{#user.</a:t>
+                        <a:rPr lang="en-US" altLang="zh-CN">
+                          <a:solidFill>
+                            <a:srgbClr val="FF0000"/>
+                          </a:solidFill>
+                        </a:rPr>
+                        <a:t>#{#user.name}</a:t>
                       </a:r>
-                      <a:r>
-                        <a:rPr lang="en-US" altLang="zh-CN"/>
-                        <a:t>name}</a:t>
-                      </a:r>
-                      <a:endParaRPr lang="en-US" altLang="zh-CN"/>
+                      <a:endParaRPr lang="en-US" altLang="zh-CN">
+                        <a:solidFill>
+                          <a:srgbClr val="FF0000"/>
+                        </a:solidFill>
+                      </a:endParaRPr>
                     </a:p>
                   </a:txBody>
                   <a:tcPr/>
@@ -3666,10 +3705,10 @@
                         <a:buNone/>
                       </a:pPr>
                       <a:r>
-                        <a:rPr lang="en-US" altLang="zh-CN"/>
+                        <a:rPr lang="en-US" altLang="zh-CN" sz="900"/>
                         <a:t>#{#user.sex}</a:t>
                       </a:r>
-                      <a:endParaRPr lang="en-US" altLang="zh-CN"/>
+                      <a:endParaRPr lang="en-US" altLang="zh-CN" sz="900"/>
                     </a:p>
                   </a:txBody>
                   <a:tcPr/>
@@ -3747,10 +3786,18 @@
                         <a:buNone/>
                       </a:pPr>
                       <a:r>
-                        <a:rPr lang="en-US" altLang="zh-CN"/>
+                        <a:rPr lang="en-US" altLang="zh-CN">
+                          <a:highlight>
+                            <a:srgbClr val="FFFF00"/>
+                          </a:highlight>
+                        </a:rPr>
                         <a:t>#{#user.height}</a:t>
                       </a:r>
-                      <a:endParaRPr lang="en-US" altLang="zh-CN"/>
+                      <a:endParaRPr lang="en-US" altLang="zh-CN">
+                        <a:highlight>
+                          <a:srgbClr val="FFFF00"/>
+                        </a:highlight>
+                      </a:endParaRPr>
                     </a:p>
                   </a:txBody>
                   <a:tcPr/>
@@ -4854,7 +4901,7 @@
 <file path=ppt/tags/tag66.xml><?xml version="1.0" encoding="utf-8"?>
 <p:tagLst xmlns:p="http://schemas.openxmlformats.org/presentationml/2006/main">
   <p:tag name="COMMONDATA" val="eyJoZGlkIjoiMmYyM2FkNjIwN2U1MjdmZWY0NjVjYTUzNDNlYzlhZmEifQ=="/>
-  <p:tag name="commondata" val="eyJoZGlkIjoiMTgwOGRmNzYxMmJjZDhiYWY5Yjg1MWFiMTZhYmI5MDgifQ=="/>
+  <p:tag name="commondata" val="eyJoZGlkIjoiNDgwODFlYzk1ZDNlMGUwOTkyZjM1YWVhYTU1NWVhMDgifQ=="/>
 </p:tagLst>
 </file>
 
